--- a/ExpertsLive2016-05-11/Module.3.-.Loops.flow.and.conditions.pptx
+++ b/ExpertsLive2016-05-11/Module.3.-.Loops.flow.and.conditions.pptx
@@ -220,7 +220,7 @@
           <a:p>
             <a:fld id="{3E82F302-A7C8-034E-97BB-FC8263E03487}" type="datetimeFigureOut">
               <a:rPr lang="en-US" smtClean="0"/>
-              <a:t>2016-02-17</a:t>
+              <a:t>2016-05-11</a:t>
             </a:fld>
             <a:endParaRPr lang="en-US"/>
           </a:p>
@@ -2881,8 +2881,12 @@
           <a:lstStyle/>
           <a:p>
             <a:r>
-              <a:rPr lang="nl-NL" dirty="0" smtClean="0"/>
-              <a:t>Windows Server and PowerShell</a:t>
+              <a:rPr lang="nl-NL" dirty="0" err="1" smtClean="0"/>
+              <a:t>PowerShell</a:t>
+            </a:r>
+            <a:r>
+              <a:rPr lang="nl-NL" smtClean="0"/>
+              <a:t> Fundamentals</a:t>
             </a:r>
             <a:endParaRPr lang="nl-NL" dirty="0"/>
           </a:p>
@@ -2907,7 +2911,11 @@
           <a:p>
             <a:r>
               <a:rPr lang="nl-NL" dirty="0" smtClean="0"/>
-              <a:t>Bert Wolters &amp; Jaap Brasser</a:t>
+              <a:t>Jaap </a:t>
+            </a:r>
+            <a:r>
+              <a:rPr lang="nl-NL" dirty="0" smtClean="0"/>
+              <a:t>Brasser</a:t>
             </a:r>
             <a:endParaRPr lang="nl-NL" dirty="0"/>
           </a:p>
@@ -3012,11 +3020,7 @@
           <a:p>
             <a:r>
               <a:rPr lang="nl-NL" dirty="0" smtClean="0"/>
-              <a:t>Demo </a:t>
-            </a:r>
-            <a:r>
-              <a:rPr lang="nl-NL" dirty="0" smtClean="0"/>
-              <a:t>Do – </a:t>
+              <a:t>Demo Do – </a:t>
             </a:r>
             <a:r>
               <a:rPr lang="nl-NL" dirty="0" err="1" smtClean="0"/>
@@ -3166,7 +3170,6 @@
               <a:rPr lang="en-US" sz="2400" dirty="0" smtClean="0"/>
               <a:t>All operators are allowed</a:t>
             </a:r>
-            <a:endParaRPr lang="en-US" sz="2400" dirty="0" smtClean="0"/>
           </a:p>
           <a:p>
             <a:pPr marL="468312" indent="-457200">
@@ -3319,11 +3322,7 @@
           <a:p>
             <a:r>
               <a:rPr lang="nl-NL" dirty="0" smtClean="0"/>
-              <a:t>Demo </a:t>
-            </a:r>
-            <a:r>
-              <a:rPr lang="nl-NL" dirty="0" smtClean="0"/>
-              <a:t>Do – </a:t>
+              <a:t>Demo Do – </a:t>
             </a:r>
             <a:r>
               <a:rPr lang="nl-NL" dirty="0" err="1" smtClean="0"/>
@@ -3554,7 +3553,6 @@
               <a:rPr lang="en-US" sz="2200" dirty="0" smtClean="0"/>
               <a:t>operators</a:t>
             </a:r>
-            <a:endParaRPr lang="en-US" sz="2200" dirty="0" smtClean="0"/>
           </a:p>
           <a:p>
             <a:pPr marL="354012" indent="-342900">
@@ -4316,7 +4314,6 @@
               <a:rPr lang="en-US" sz="2400" dirty="0" smtClean="0"/>
               <a:t>Can be used to pause a script </a:t>
             </a:r>
-            <a:endParaRPr lang="en-US" sz="2400" dirty="0" smtClean="0"/>
           </a:p>
           <a:p>
             <a:pPr marL="468312" indent="-457200">
